--- a/Livrable/Présentation1.pptx
+++ b/Livrable/Présentation1.pptx
@@ -7694,7 +7694,7 @@
             </a:br>
             <a:r>
               <a:rPr lang="fr-FR" dirty="0" err="1"/>
-              <a:t>Openclassroom</a:t>
+              <a:t>Openclassrooms</a:t>
             </a:r>
             <a:r>
               <a:rPr lang="fr-FR" dirty="0"/>
